--- a/Documentatie/Pitch.pptx
+++ b/Documentatie/Pitch.pptx
@@ -108,20 +108,17 @@
       </a:defRPr>
     </a:lvl9pPr>
   </p:defaultTextStyle>
+  <p:extLst>
+    <p:ext uri="{EFAFB233-063F-42B5-8137-9DF3F51BA10A}">
+      <p15:sldGuideLst xmlns:p15="http://schemas.microsoft.com/office/powerpoint/2012/main"/>
+    </p:ext>
+  </p:extLst>
 </p:presentation>
 </file>
 
 <file path=ppt/slideLayouts/slideLayout1.xml><?xml version="1.0" encoding="utf-8"?>
-<p:sldLayout xmlns:a="http://schemas.openxmlformats.org/drawingml/2006/main" xmlns:r="http://schemas.openxmlformats.org/officeDocument/2006/relationships" xmlns:p="http://schemas.openxmlformats.org/presentationml/2006/main" showMasterSp="0" type="title" preserve="1">
+<p:sldLayout xmlns:a="http://schemas.openxmlformats.org/drawingml/2006/main" xmlns:r="http://schemas.openxmlformats.org/officeDocument/2006/relationships" xmlns:p="http://schemas.openxmlformats.org/presentationml/2006/main" type="title" preserve="1">
   <p:cSld name="Titeldia">
-    <p:bg>
-      <p:bgPr>
-        <a:solidFill>
-          <a:schemeClr val="accent1"/>
-        </a:solidFill>
-        <a:effectLst/>
-      </p:bgPr>
-    </p:bg>
     <p:spTree>
       <p:nvGrpSpPr>
         <p:cNvPr id="1" name=""/>
@@ -1972,16 +1969,8 @@
 </file>
 
 <file path=ppt/slideLayouts/slideLayout3.xml><?xml version="1.0" encoding="utf-8"?>
-<p:sldLayout xmlns:a="http://schemas.openxmlformats.org/drawingml/2006/main" xmlns:r="http://schemas.openxmlformats.org/officeDocument/2006/relationships" xmlns:p="http://schemas.openxmlformats.org/presentationml/2006/main" showMasterSp="0" type="secHead" preserve="1">
+<p:sldLayout xmlns:a="http://schemas.openxmlformats.org/drawingml/2006/main" xmlns:r="http://schemas.openxmlformats.org/officeDocument/2006/relationships" xmlns:p="http://schemas.openxmlformats.org/presentationml/2006/main" type="secHead" preserve="1">
   <p:cSld name="Sectiekop">
-    <p:bg>
-      <p:bgPr>
-        <a:solidFill>
-          <a:schemeClr val="bg2"/>
-        </a:solidFill>
-        <a:effectLst/>
-      </p:bgPr>
-    </p:bg>
     <p:spTree>
       <p:nvGrpSpPr>
         <p:cNvPr id="1" name=""/>
@@ -4057,7 +4046,7 @@
 </file>
 
 <file path=ppt/slideLayouts/slideLayout8.xml><?xml version="1.0" encoding="utf-8"?>
-<p:sldLayout xmlns:a="http://schemas.openxmlformats.org/drawingml/2006/main" xmlns:r="http://schemas.openxmlformats.org/officeDocument/2006/relationships" xmlns:p="http://schemas.openxmlformats.org/presentationml/2006/main" showMasterSp="0" type="objTx" preserve="1">
+<p:sldLayout xmlns:a="http://schemas.openxmlformats.org/drawingml/2006/main" xmlns:r="http://schemas.openxmlformats.org/officeDocument/2006/relationships" xmlns:p="http://schemas.openxmlformats.org/presentationml/2006/main" type="objTx" preserve="1">
   <p:cSld name="Inhoud met bijschrift">
     <p:spTree>
       <p:nvGrpSpPr>
@@ -4879,7 +4868,7 @@
 </file>
 
 <file path=ppt/slideLayouts/slideLayout9.xml><?xml version="1.0" encoding="utf-8"?>
-<p:sldLayout xmlns:a="http://schemas.openxmlformats.org/drawingml/2006/main" xmlns:r="http://schemas.openxmlformats.org/officeDocument/2006/relationships" xmlns:p="http://schemas.openxmlformats.org/presentationml/2006/main" showMasterSp="0" type="picTx" preserve="1">
+<p:sldLayout xmlns:a="http://schemas.openxmlformats.org/drawingml/2006/main" xmlns:r="http://schemas.openxmlformats.org/officeDocument/2006/relationships" xmlns:p="http://schemas.openxmlformats.org/presentationml/2006/main" type="picTx" preserve="1">
   <p:cSld name="Afbeelding met bijschrift">
     <p:spTree>
       <p:nvGrpSpPr>
@@ -5674,9 +5663,21 @@
   <p:cSld>
     <p:bg>
       <p:bgPr>
-        <a:solidFill>
-          <a:schemeClr val="bg2"/>
-        </a:solidFill>
+        <a:blipFill dpi="0" rotWithShape="1">
+          <a:blip r:embed="rId13">
+            <a:alphaModFix amt="75000"/>
+            <a:lum/>
+            <a:extLst>
+              <a:ext uri="{837473B0-CC2E-450A-ABE3-18F120FF3D39}">
+                <a1611:picAttrSrcUrl xmlns:a1611="http://schemas.microsoft.com/office/drawing/2016/11/main" r:id="rId14"/>
+              </a:ext>
+            </a:extLst>
+          </a:blip>
+          <a:srcRect/>
+          <a:stretch>
+            <a:fillRect/>
+          </a:stretch>
+        </a:blipFill>
         <a:effectLst/>
       </p:bgPr>
     </p:bg>
@@ -6846,35 +6847,26 @@
           <a:lstStyle/>
           <a:p>
             <a:r>
-              <a:rPr lang="en-US" dirty="0"/>
+              <a:rPr lang="en-US" dirty="0">
+                <a:solidFill>
+                  <a:schemeClr val="accent1">
+                    <a:lumMod val="60000"/>
+                    <a:lumOff val="40000"/>
+                  </a:schemeClr>
+                </a:solidFill>
+                <a:latin typeface="Comic Sans MS" panose="030F0702030302020204" pitchFamily="66" charset="0"/>
+              </a:rPr>
               <a:t>Yellow Pages Game</a:t>
             </a:r>
-            <a:endParaRPr lang="nl-NL" dirty="0"/>
-          </a:p>
-        </p:txBody>
-      </p:sp>
-      <p:sp>
-        <p:nvSpPr>
-          <p:cNvPr id="3" name="Ondertitel 2">
-            <a:extLst>
-              <a:ext uri="{FF2B5EF4-FFF2-40B4-BE49-F238E27FC236}">
-                <a16:creationId xmlns:a16="http://schemas.microsoft.com/office/drawing/2014/main" id="{B6418963-EC51-4AB6-8BBF-C0A4012FB227}"/>
-              </a:ext>
-            </a:extLst>
-          </p:cNvPr>
-          <p:cNvSpPr>
-            <a:spLocks noGrp="1"/>
-          </p:cNvSpPr>
-          <p:nvPr>
-            <p:ph type="subTitle" idx="1"/>
-          </p:nvPr>
-        </p:nvSpPr>
-        <p:spPr/>
-        <p:txBody>
-          <a:bodyPr/>
-          <a:lstStyle/>
-          <a:p>
-            <a:endParaRPr lang="nl-NL"/>
+            <a:endParaRPr lang="nl-NL" dirty="0">
+              <a:solidFill>
+                <a:schemeClr val="accent1">
+                  <a:lumMod val="60000"/>
+                  <a:lumOff val="40000"/>
+                </a:schemeClr>
+              </a:solidFill>
+              <a:latin typeface="Comic Sans MS" panose="030F0702030302020204" pitchFamily="66" charset="0"/>
+            </a:endParaRPr>
           </a:p>
         </p:txBody>
       </p:sp>
@@ -6888,6 +6880,18 @@
   <p:clrMapOvr>
     <a:masterClrMapping/>
   </p:clrMapOvr>
+  <mc:AlternateContent xmlns:mc="http://schemas.openxmlformats.org/markup-compatibility/2006">
+    <mc:Choice xmlns:p14="http://schemas.microsoft.com/office/powerpoint/2010/main" Requires="p14">
+      <p:transition spd="slow" p14:dur="1500">
+        <p:random/>
+      </p:transition>
+    </mc:Choice>
+    <mc:Fallback>
+      <p:transition spd="slow">
+        <p:random/>
+      </p:transition>
+    </mc:Fallback>
+  </mc:AlternateContent>
 </p:sld>
 </file>
 
@@ -6930,10 +6934,20 @@
           <a:lstStyle/>
           <a:p>
             <a:r>
-              <a:rPr lang="en-US" dirty="0"/>
+              <a:rPr lang="en-US" dirty="0">
+                <a:solidFill>
+                  <a:srgbClr val="F9B733"/>
+                </a:solidFill>
+                <a:latin typeface="Comic Sans MS" panose="030F0702030302020204" pitchFamily="66" charset="0"/>
+              </a:rPr>
               <a:t>Het team</a:t>
             </a:r>
-            <a:endParaRPr lang="nl-NL" dirty="0"/>
+            <a:endParaRPr lang="nl-NL" dirty="0">
+              <a:solidFill>
+                <a:srgbClr val="F9B733"/>
+              </a:solidFill>
+              <a:latin typeface="Comic Sans MS" panose="030F0702030302020204" pitchFamily="66" charset="0"/>
+            </a:endParaRPr>
           </a:p>
         </p:txBody>
       </p:sp>
@@ -6959,27 +6973,137 @@
           <a:lstStyle/>
           <a:p>
             <a:r>
-              <a:rPr lang="en-US" dirty="0" err="1"/>
+              <a:rPr lang="en-US" dirty="0" err="1">
+                <a:latin typeface="Comic Sans MS" panose="030F0702030302020204" pitchFamily="66" charset="0"/>
+              </a:rPr>
               <a:t>Marnix</a:t>
             </a:r>
-            <a:endParaRPr lang="en-US" dirty="0"/>
-          </a:p>
-          <a:p>
-            <a:r>
-              <a:rPr lang="en-US" dirty="0" err="1"/>
+            <a:endParaRPr lang="en-US" dirty="0">
+              <a:latin typeface="Comic Sans MS" panose="030F0702030302020204" pitchFamily="66" charset="0"/>
+            </a:endParaRPr>
+          </a:p>
+          <a:p>
+            <a:r>
+              <a:rPr lang="en-US" dirty="0" err="1">
+                <a:latin typeface="Comic Sans MS" panose="030F0702030302020204" pitchFamily="66" charset="0"/>
+              </a:rPr>
               <a:t>Jenoah</a:t>
             </a:r>
-            <a:endParaRPr lang="en-US" dirty="0"/>
-          </a:p>
-          <a:p>
-            <a:r>
-              <a:rPr lang="en-US" dirty="0"/>
+            <a:endParaRPr lang="en-US" dirty="0">
+              <a:latin typeface="Comic Sans MS" panose="030F0702030302020204" pitchFamily="66" charset="0"/>
+            </a:endParaRPr>
+          </a:p>
+          <a:p>
+            <a:r>
+              <a:rPr lang="en-US" dirty="0">
+                <a:latin typeface="Comic Sans MS" panose="030F0702030302020204" pitchFamily="66" charset="0"/>
+              </a:rPr>
               <a:t>Arjen</a:t>
             </a:r>
-            <a:endParaRPr lang="nl-NL" dirty="0"/>
+          </a:p>
+          <a:p>
+            <a:r>
+              <a:rPr lang="en-US" dirty="0">
+                <a:latin typeface="Comic Sans MS" panose="030F0702030302020204" pitchFamily="66" charset="0"/>
+              </a:rPr>
+              <a:t>(</a:t>
+            </a:r>
+            <a:r>
+              <a:rPr lang="en-US" dirty="0" err="1">
+                <a:latin typeface="Comic Sans MS" panose="030F0702030302020204" pitchFamily="66" charset="0"/>
+              </a:rPr>
+              <a:t>niet</a:t>
+            </a:r>
+            <a:r>
+              <a:rPr lang="en-US" dirty="0">
+                <a:latin typeface="Comic Sans MS" panose="030F0702030302020204" pitchFamily="66" charset="0"/>
+              </a:rPr>
+              <a:t> </a:t>
+            </a:r>
+            <a:r>
+              <a:rPr lang="en-US" dirty="0" err="1">
+                <a:latin typeface="Comic Sans MS" panose="030F0702030302020204" pitchFamily="66" charset="0"/>
+              </a:rPr>
+              <a:t>bart</a:t>
+            </a:r>
+            <a:r>
+              <a:rPr lang="en-US" dirty="0">
+                <a:latin typeface="Comic Sans MS" panose="030F0702030302020204" pitchFamily="66" charset="0"/>
+              </a:rPr>
+              <a:t>)</a:t>
+            </a:r>
+            <a:endParaRPr lang="nl-NL" dirty="0">
+              <a:latin typeface="Comic Sans MS" panose="030F0702030302020204" pitchFamily="66" charset="0"/>
+            </a:endParaRPr>
           </a:p>
         </p:txBody>
       </p:sp>
+      <p:pic>
+        <p:nvPicPr>
+          <p:cNvPr id="5" name="Afbeelding 4" descr="Afbeelding met persoon, binnen, muur, vrouw&#10;&#10;Automatisch gegenereerde beschrijving">
+            <a:extLst>
+              <a:ext uri="{FF2B5EF4-FFF2-40B4-BE49-F238E27FC236}">
+                <a16:creationId xmlns:a16="http://schemas.microsoft.com/office/drawing/2014/main" id="{07AA8428-E3C3-4A7B-877C-20C7F9DD0D02}"/>
+              </a:ext>
+            </a:extLst>
+          </p:cNvPr>
+          <p:cNvPicPr>
+            <a:picLocks noChangeAspect="1"/>
+          </p:cNvPicPr>
+          <p:nvPr/>
+        </p:nvPicPr>
+        <p:blipFill>
+          <a:blip r:embed="rId2">
+            <a:extLst>
+              <a:ext uri="{28A0092B-C50C-407E-A947-70E740481C1C}">
+                <a14:useLocalDpi xmlns:a14="http://schemas.microsoft.com/office/drawing/2010/main" val="0"/>
+              </a:ext>
+            </a:extLst>
+          </a:blip>
+          <a:stretch>
+            <a:fillRect/>
+          </a:stretch>
+        </p:blipFill>
+        <p:spPr>
+          <a:xfrm rot="233781">
+            <a:off x="4310742" y="1683656"/>
+            <a:ext cx="5002591" cy="3751943"/>
+          </a:xfrm>
+          <a:prstGeom prst="rect">
+            <a:avLst/>
+          </a:prstGeom>
+          <a:solidFill>
+            <a:srgbClr val="FFFFFF">
+              <a:shade val="85000"/>
+            </a:srgbClr>
+          </a:solidFill>
+          <a:ln w="88900" cap="sq">
+            <a:solidFill>
+              <a:srgbClr val="FFFFFF"/>
+            </a:solidFill>
+            <a:miter lim="800000"/>
+          </a:ln>
+          <a:effectLst>
+            <a:outerShdw blurRad="50800" dist="38100" dir="2700000" algn="tl" rotWithShape="0">
+              <a:prstClr val="black">
+                <a:alpha val="40000"/>
+              </a:prstClr>
+            </a:outerShdw>
+          </a:effectLst>
+          <a:scene3d>
+            <a:camera prst="orthographicFront"/>
+            <a:lightRig rig="twoPt" dir="t">
+              <a:rot lat="0" lon="0" rev="7200000"/>
+            </a:lightRig>
+          </a:scene3d>
+          <a:sp3d>
+            <a:bevelT w="25400" h="19050"/>
+            <a:contourClr>
+              <a:srgbClr val="FFFFFF"/>
+            </a:contourClr>
+          </a:sp3d>
+        </p:spPr>
+      </p:pic>
     </p:spTree>
     <p:extLst>
       <p:ext uri="{BB962C8B-B14F-4D97-AF65-F5344CB8AC3E}">
@@ -6990,6 +7114,347 @@
   <p:clrMapOvr>
     <a:masterClrMapping/>
   </p:clrMapOvr>
+  <mc:AlternateContent xmlns:mc="http://schemas.openxmlformats.org/markup-compatibility/2006">
+    <mc:Choice xmlns:p14="http://schemas.microsoft.com/office/powerpoint/2010/main" Requires="p14">
+      <p:transition spd="slow" p14:dur="1500">
+        <p:random/>
+      </p:transition>
+    </mc:Choice>
+    <mc:Fallback>
+      <p:transition spd="slow">
+        <p:random/>
+      </p:transition>
+    </mc:Fallback>
+  </mc:AlternateContent>
+  <p:timing>
+    <p:tnLst>
+      <p:par>
+        <p:cTn id="1" dur="indefinite" restart="never" nodeType="tmRoot">
+          <p:childTnLst>
+            <p:seq concurrent="1" nextAc="seek">
+              <p:cTn id="2" dur="indefinite" nodeType="mainSeq">
+                <p:childTnLst>
+                  <p:par>
+                    <p:cTn id="3" fill="hold">
+                      <p:stCondLst>
+                        <p:cond delay="indefinite"/>
+                        <p:cond evt="onBegin" delay="0">
+                          <p:tn val="2"/>
+                        </p:cond>
+                      </p:stCondLst>
+                      <p:childTnLst>
+                        <p:par>
+                          <p:cTn id="4" fill="hold">
+                            <p:stCondLst>
+                              <p:cond delay="0"/>
+                            </p:stCondLst>
+                            <p:childTnLst>
+                              <p:par>
+                                <p:cTn id="5" presetID="26" presetClass="entr" presetSubtype="0" fill="hold" nodeType="afterEffect">
+                                  <p:stCondLst>
+                                    <p:cond delay="0"/>
+                                  </p:stCondLst>
+                                  <p:childTnLst>
+                                    <p:set>
+                                      <p:cBhvr>
+                                        <p:cTn id="6" dur="1" fill="hold">
+                                          <p:stCondLst>
+                                            <p:cond delay="0"/>
+                                          </p:stCondLst>
+                                        </p:cTn>
+                                        <p:tgtEl>
+                                          <p:spTgt spid="5"/>
+                                        </p:tgtEl>
+                                        <p:attrNameLst>
+                                          <p:attrName>style.visibility</p:attrName>
+                                        </p:attrNameLst>
+                                      </p:cBhvr>
+                                      <p:to>
+                                        <p:strVal val="visible"/>
+                                      </p:to>
+                                    </p:set>
+                                    <p:animEffect transition="in" filter="wipe(down)">
+                                      <p:cBhvr>
+                                        <p:cTn id="7" dur="580">
+                                          <p:stCondLst>
+                                            <p:cond delay="0"/>
+                                          </p:stCondLst>
+                                        </p:cTn>
+                                        <p:tgtEl>
+                                          <p:spTgt spid="5"/>
+                                        </p:tgtEl>
+                                      </p:cBhvr>
+                                    </p:animEffect>
+                                    <p:anim calcmode="lin" valueType="num">
+                                      <p:cBhvr>
+                                        <p:cTn id="8" dur="1822" tmFilter="0,0; 0.14,0.36; 0.43,0.73; 0.71,0.91; 1.0,1.0">
+                                          <p:stCondLst>
+                                            <p:cond delay="0"/>
+                                          </p:stCondLst>
+                                        </p:cTn>
+                                        <p:tgtEl>
+                                          <p:spTgt spid="5"/>
+                                        </p:tgtEl>
+                                        <p:attrNameLst>
+                                          <p:attrName>ppt_x</p:attrName>
+                                        </p:attrNameLst>
+                                      </p:cBhvr>
+                                      <p:tavLst>
+                                        <p:tav tm="0">
+                                          <p:val>
+                                            <p:strVal val="#ppt_x-0.25"/>
+                                          </p:val>
+                                        </p:tav>
+                                        <p:tav tm="100000">
+                                          <p:val>
+                                            <p:strVal val="#ppt_x"/>
+                                          </p:val>
+                                        </p:tav>
+                                      </p:tavLst>
+                                    </p:anim>
+                                    <p:anim calcmode="lin" valueType="num">
+                                      <p:cBhvr>
+                                        <p:cTn id="9" dur="664" tmFilter="0.0,0.0; 0.25,0.07; 0.50,0.2; 0.75,0.467; 1.0,1.0">
+                                          <p:stCondLst>
+                                            <p:cond delay="0"/>
+                                          </p:stCondLst>
+                                        </p:cTn>
+                                        <p:tgtEl>
+                                          <p:spTgt spid="5"/>
+                                        </p:tgtEl>
+                                        <p:attrNameLst>
+                                          <p:attrName>ppt_y</p:attrName>
+                                        </p:attrNameLst>
+                                      </p:cBhvr>
+                                      <p:tavLst>
+                                        <p:tav tm="0" fmla="#ppt_y-sin(pi*$)/3">
+                                          <p:val>
+                                            <p:fltVal val="0.5"/>
+                                          </p:val>
+                                        </p:tav>
+                                        <p:tav tm="100000">
+                                          <p:val>
+                                            <p:fltVal val="1"/>
+                                          </p:val>
+                                        </p:tav>
+                                      </p:tavLst>
+                                    </p:anim>
+                                    <p:anim calcmode="lin" valueType="num">
+                                      <p:cBhvr>
+                                        <p:cTn id="10" dur="664" tmFilter="0, 0; 0.125,0.2665; 0.25,0.4; 0.375,0.465; 0.5,0.5;  0.625,0.535; 0.75,0.6; 0.875,0.7335; 1,1">
+                                          <p:stCondLst>
+                                            <p:cond delay="664"/>
+                                          </p:stCondLst>
+                                        </p:cTn>
+                                        <p:tgtEl>
+                                          <p:spTgt spid="5"/>
+                                        </p:tgtEl>
+                                        <p:attrNameLst>
+                                          <p:attrName>ppt_y</p:attrName>
+                                        </p:attrNameLst>
+                                      </p:cBhvr>
+                                      <p:tavLst>
+                                        <p:tav tm="0" fmla="#ppt_y-sin(pi*$)/9">
+                                          <p:val>
+                                            <p:fltVal val="0"/>
+                                          </p:val>
+                                        </p:tav>
+                                        <p:tav tm="100000">
+                                          <p:val>
+                                            <p:fltVal val="1"/>
+                                          </p:val>
+                                        </p:tav>
+                                      </p:tavLst>
+                                    </p:anim>
+                                    <p:anim calcmode="lin" valueType="num">
+                                      <p:cBhvr>
+                                        <p:cTn id="11" dur="332" tmFilter="0, 0; 0.125,0.2665; 0.25,0.4; 0.375,0.465; 0.5,0.5;  0.625,0.535; 0.75,0.6; 0.875,0.7335; 1,1">
+                                          <p:stCondLst>
+                                            <p:cond delay="1324"/>
+                                          </p:stCondLst>
+                                        </p:cTn>
+                                        <p:tgtEl>
+                                          <p:spTgt spid="5"/>
+                                        </p:tgtEl>
+                                        <p:attrNameLst>
+                                          <p:attrName>ppt_y</p:attrName>
+                                        </p:attrNameLst>
+                                      </p:cBhvr>
+                                      <p:tavLst>
+                                        <p:tav tm="0" fmla="#ppt_y-sin(pi*$)/27">
+                                          <p:val>
+                                            <p:fltVal val="0"/>
+                                          </p:val>
+                                        </p:tav>
+                                        <p:tav tm="100000">
+                                          <p:val>
+                                            <p:fltVal val="1"/>
+                                          </p:val>
+                                        </p:tav>
+                                      </p:tavLst>
+                                    </p:anim>
+                                    <p:anim calcmode="lin" valueType="num">
+                                      <p:cBhvr>
+                                        <p:cTn id="12" dur="164" tmFilter="0, 0; 0.125,0.2665; 0.25,0.4; 0.375,0.465; 0.5,0.5;  0.625,0.535; 0.75,0.6; 0.875,0.7335; 1,1">
+                                          <p:stCondLst>
+                                            <p:cond delay="1656"/>
+                                          </p:stCondLst>
+                                        </p:cTn>
+                                        <p:tgtEl>
+                                          <p:spTgt spid="5"/>
+                                        </p:tgtEl>
+                                        <p:attrNameLst>
+                                          <p:attrName>ppt_y</p:attrName>
+                                        </p:attrNameLst>
+                                      </p:cBhvr>
+                                      <p:tavLst>
+                                        <p:tav tm="0" fmla="#ppt_y-sin(pi*$)/81">
+                                          <p:val>
+                                            <p:fltVal val="0"/>
+                                          </p:val>
+                                        </p:tav>
+                                        <p:tav tm="100000">
+                                          <p:val>
+                                            <p:fltVal val="1"/>
+                                          </p:val>
+                                        </p:tav>
+                                      </p:tavLst>
+                                    </p:anim>
+                                    <p:animScale>
+                                      <p:cBhvr>
+                                        <p:cTn id="13" dur="26">
+                                          <p:stCondLst>
+                                            <p:cond delay="650"/>
+                                          </p:stCondLst>
+                                        </p:cTn>
+                                        <p:tgtEl>
+                                          <p:spTgt spid="5"/>
+                                        </p:tgtEl>
+                                      </p:cBhvr>
+                                      <p:to x="100000" y="60000"/>
+                                    </p:animScale>
+                                    <p:animScale>
+                                      <p:cBhvr>
+                                        <p:cTn id="14" dur="166" decel="50000">
+                                          <p:stCondLst>
+                                            <p:cond delay="676"/>
+                                          </p:stCondLst>
+                                        </p:cTn>
+                                        <p:tgtEl>
+                                          <p:spTgt spid="5"/>
+                                        </p:tgtEl>
+                                      </p:cBhvr>
+                                      <p:to x="100000" y="100000"/>
+                                    </p:animScale>
+                                    <p:animScale>
+                                      <p:cBhvr>
+                                        <p:cTn id="15" dur="26">
+                                          <p:stCondLst>
+                                            <p:cond delay="1312"/>
+                                          </p:stCondLst>
+                                        </p:cTn>
+                                        <p:tgtEl>
+                                          <p:spTgt spid="5"/>
+                                        </p:tgtEl>
+                                      </p:cBhvr>
+                                      <p:to x="100000" y="80000"/>
+                                    </p:animScale>
+                                    <p:animScale>
+                                      <p:cBhvr>
+                                        <p:cTn id="16" dur="166" decel="50000">
+                                          <p:stCondLst>
+                                            <p:cond delay="1338"/>
+                                          </p:stCondLst>
+                                        </p:cTn>
+                                        <p:tgtEl>
+                                          <p:spTgt spid="5"/>
+                                        </p:tgtEl>
+                                      </p:cBhvr>
+                                      <p:to x="100000" y="100000"/>
+                                    </p:animScale>
+                                    <p:animScale>
+                                      <p:cBhvr>
+                                        <p:cTn id="17" dur="26">
+                                          <p:stCondLst>
+                                            <p:cond delay="1642"/>
+                                          </p:stCondLst>
+                                        </p:cTn>
+                                        <p:tgtEl>
+                                          <p:spTgt spid="5"/>
+                                        </p:tgtEl>
+                                      </p:cBhvr>
+                                      <p:to x="100000" y="90000"/>
+                                    </p:animScale>
+                                    <p:animScale>
+                                      <p:cBhvr>
+                                        <p:cTn id="18" dur="166" decel="50000">
+                                          <p:stCondLst>
+                                            <p:cond delay="1668"/>
+                                          </p:stCondLst>
+                                        </p:cTn>
+                                        <p:tgtEl>
+                                          <p:spTgt spid="5"/>
+                                        </p:tgtEl>
+                                      </p:cBhvr>
+                                      <p:to x="100000" y="100000"/>
+                                    </p:animScale>
+                                    <p:animScale>
+                                      <p:cBhvr>
+                                        <p:cTn id="19" dur="26">
+                                          <p:stCondLst>
+                                            <p:cond delay="1808"/>
+                                          </p:stCondLst>
+                                        </p:cTn>
+                                        <p:tgtEl>
+                                          <p:spTgt spid="5"/>
+                                        </p:tgtEl>
+                                      </p:cBhvr>
+                                      <p:to x="100000" y="95000"/>
+                                    </p:animScale>
+                                    <p:animScale>
+                                      <p:cBhvr>
+                                        <p:cTn id="20" dur="166" decel="50000">
+                                          <p:stCondLst>
+                                            <p:cond delay="1834"/>
+                                          </p:stCondLst>
+                                        </p:cTn>
+                                        <p:tgtEl>
+                                          <p:spTgt spid="5"/>
+                                        </p:tgtEl>
+                                      </p:cBhvr>
+                                      <p:to x="100000" y="100000"/>
+                                    </p:animScale>
+                                  </p:childTnLst>
+                                </p:cTn>
+                              </p:par>
+                            </p:childTnLst>
+                          </p:cTn>
+                        </p:par>
+                      </p:childTnLst>
+                    </p:cTn>
+                  </p:par>
+                </p:childTnLst>
+              </p:cTn>
+              <p:prevCondLst>
+                <p:cond evt="onPrev" delay="0">
+                  <p:tgtEl>
+                    <p:sldTgt/>
+                  </p:tgtEl>
+                </p:cond>
+              </p:prevCondLst>
+              <p:nextCondLst>
+                <p:cond evt="onNext" delay="0">
+                  <p:tgtEl>
+                    <p:sldTgt/>
+                  </p:tgtEl>
+                </p:cond>
+              </p:nextCondLst>
+            </p:seq>
+          </p:childTnLst>
+        </p:cTn>
+      </p:par>
+    </p:tnLst>
+  </p:timing>
 </p:sld>
 </file>
 
@@ -7032,14 +7497,17 @@
           <a:lstStyle/>
           <a:p>
             <a:r>
-              <a:rPr lang="en-US" dirty="0"/>
-              <a:t>Het </a:t>
-            </a:r>
-            <a:r>
-              <a:rPr lang="en-US" dirty="0" err="1"/>
-              <a:t>proces</a:t>
-            </a:r>
-            <a:endParaRPr lang="nl-NL" dirty="0"/>
+              <a:rPr lang="nl-NL" dirty="0">
+                <a:solidFill>
+                  <a:schemeClr val="accent1">
+                    <a:lumMod val="60000"/>
+                    <a:lumOff val="40000"/>
+                  </a:schemeClr>
+                </a:solidFill>
+                <a:latin typeface="Comic Sans MS" panose="030F0702030302020204" pitchFamily="66" charset="0"/>
+              </a:rPr>
+              <a:t>Het proces</a:t>
+            </a:r>
           </a:p>
         </p:txBody>
       </p:sp>
@@ -7065,48 +7533,117 @@
           <a:lstStyle/>
           <a:p>
             <a:r>
-              <a:rPr lang="en-US" dirty="0"/>
+              <a:rPr lang="en-US" dirty="0">
+                <a:latin typeface="Comic Sans MS" panose="030F0702030302020204" pitchFamily="66" charset="0"/>
+              </a:rPr>
               <a:t>Teams </a:t>
             </a:r>
             <a:r>
-              <a:rPr lang="en-US" dirty="0" err="1"/>
+              <a:rPr lang="en-US" dirty="0" err="1">
+                <a:latin typeface="Comic Sans MS" panose="030F0702030302020204" pitchFamily="66" charset="0"/>
+              </a:rPr>
               <a:t>maken</a:t>
             </a:r>
-            <a:endParaRPr lang="en-US" dirty="0"/>
-          </a:p>
-          <a:p>
-            <a:r>
-              <a:rPr lang="en-US" dirty="0" err="1"/>
+            <a:endParaRPr lang="en-US" dirty="0">
+              <a:latin typeface="Comic Sans MS" panose="030F0702030302020204" pitchFamily="66" charset="0"/>
+            </a:endParaRPr>
+          </a:p>
+          <a:p>
+            <a:r>
+              <a:rPr lang="en-US" dirty="0" err="1">
+                <a:latin typeface="Comic Sans MS" panose="030F0702030302020204" pitchFamily="66" charset="0"/>
+              </a:rPr>
               <a:t>Plannen</a:t>
             </a:r>
-            <a:endParaRPr lang="en-US" dirty="0"/>
-          </a:p>
-          <a:p>
-            <a:r>
-              <a:rPr lang="en-US" dirty="0"/>
+            <a:endParaRPr lang="en-US" dirty="0">
+              <a:latin typeface="Comic Sans MS" panose="030F0702030302020204" pitchFamily="66" charset="0"/>
+            </a:endParaRPr>
+          </a:p>
+          <a:p>
+            <a:r>
+              <a:rPr lang="en-US" dirty="0">
+                <a:latin typeface="Comic Sans MS" panose="030F0702030302020204" pitchFamily="66" charset="0"/>
+              </a:rPr>
               <a:t>Prototype</a:t>
             </a:r>
           </a:p>
           <a:p>
             <a:r>
-              <a:rPr lang="en-US" dirty="0"/>
+              <a:rPr lang="en-US" dirty="0">
+                <a:latin typeface="Comic Sans MS" panose="030F0702030302020204" pitchFamily="66" charset="0"/>
+              </a:rPr>
               <a:t>Bugs </a:t>
             </a:r>
             <a:r>
-              <a:rPr lang="en-US" dirty="0" err="1"/>
+              <a:rPr lang="en-US" dirty="0" err="1">
+                <a:latin typeface="Comic Sans MS" panose="030F0702030302020204" pitchFamily="66" charset="0"/>
+              </a:rPr>
               <a:t>fixen</a:t>
             </a:r>
-            <a:endParaRPr lang="en-US" dirty="0"/>
-          </a:p>
-          <a:p>
-            <a:r>
-              <a:rPr lang="en-US" dirty="0" err="1"/>
+            <a:endParaRPr lang="en-US" dirty="0">
+              <a:latin typeface="Comic Sans MS" panose="030F0702030302020204" pitchFamily="66" charset="0"/>
+            </a:endParaRPr>
+          </a:p>
+          <a:p>
+            <a:r>
+              <a:rPr lang="en-US" dirty="0" err="1">
+                <a:latin typeface="Comic Sans MS" panose="030F0702030302020204" pitchFamily="66" charset="0"/>
+              </a:rPr>
               <a:t>Afronden</a:t>
             </a:r>
-            <a:endParaRPr lang="nl-NL" dirty="0"/>
+            <a:endParaRPr lang="nl-NL" dirty="0">
+              <a:latin typeface="Comic Sans MS" panose="030F0702030302020204" pitchFamily="66" charset="0"/>
+            </a:endParaRPr>
           </a:p>
         </p:txBody>
       </p:sp>
+      <p:pic>
+        <p:nvPicPr>
+          <p:cNvPr id="1026" name="Picture 2" descr="Afbeeldingsresultaat voor Html5">
+            <a:extLst>
+              <a:ext uri="{FF2B5EF4-FFF2-40B4-BE49-F238E27FC236}">
+                <a16:creationId xmlns:a16="http://schemas.microsoft.com/office/drawing/2014/main" id="{F4315D11-0BF9-4942-834A-DC590045FA37}"/>
+              </a:ext>
+            </a:extLst>
+          </p:cNvPr>
+          <p:cNvPicPr>
+            <a:picLocks noChangeAspect="1" noChangeArrowheads="1"/>
+          </p:cNvPicPr>
+          <p:nvPr/>
+        </p:nvPicPr>
+        <p:blipFill>
+          <a:blip r:embed="rId2">
+            <a:extLst>
+              <a:ext uri="{28A0092B-C50C-407E-A947-70E740481C1C}">
+                <a14:useLocalDpi xmlns:a14="http://schemas.microsoft.com/office/drawing/2010/main" val="0"/>
+              </a:ext>
+            </a:extLst>
+          </a:blip>
+          <a:srcRect/>
+          <a:stretch>
+            <a:fillRect/>
+          </a:stretch>
+        </p:blipFill>
+        <p:spPr bwMode="auto">
+          <a:xfrm>
+            <a:off x="5119460" y="1779587"/>
+            <a:ext cx="3298825" cy="3298825"/>
+          </a:xfrm>
+          <a:prstGeom prst="rect">
+            <a:avLst/>
+          </a:prstGeom>
+          <a:noFill/>
+          <a:extLst>
+            <a:ext uri="{909E8E84-426E-40DD-AFC4-6F175D3DCCD1}">
+              <a14:hiddenFill xmlns:a14="http://schemas.microsoft.com/office/drawing/2010/main">
+                <a:solidFill>
+                  <a:srgbClr val="FFFFFF"/>
+                </a:solidFill>
+              </a14:hiddenFill>
+            </a:ext>
+          </a:extLst>
+        </p:spPr>
+      </p:pic>
     </p:spTree>
     <p:extLst>
       <p:ext uri="{BB962C8B-B14F-4D97-AF65-F5344CB8AC3E}">
@@ -7117,6 +7654,150 @@
   <p:clrMapOvr>
     <a:masterClrMapping/>
   </p:clrMapOvr>
+  <mc:AlternateContent xmlns:mc="http://schemas.openxmlformats.org/markup-compatibility/2006">
+    <mc:Choice xmlns:p14="http://schemas.microsoft.com/office/powerpoint/2010/main" Requires="p14">
+      <p:transition spd="slow" p14:dur="1500">
+        <p:random/>
+      </p:transition>
+    </mc:Choice>
+    <mc:Fallback>
+      <p:transition spd="slow">
+        <p:random/>
+      </p:transition>
+    </mc:Fallback>
+  </mc:AlternateContent>
+  <p:timing>
+    <p:tnLst>
+      <p:par>
+        <p:cTn id="1" dur="indefinite" restart="never" nodeType="tmRoot">
+          <p:childTnLst>
+            <p:seq concurrent="1" nextAc="seek">
+              <p:cTn id="2" dur="indefinite" nodeType="mainSeq">
+                <p:childTnLst>
+                  <p:par>
+                    <p:cTn id="3" fill="hold">
+                      <p:stCondLst>
+                        <p:cond delay="indefinite"/>
+                        <p:cond evt="onBegin" delay="0">
+                          <p:tn val="2"/>
+                        </p:cond>
+                      </p:stCondLst>
+                      <p:childTnLst>
+                        <p:par>
+                          <p:cTn id="4" fill="hold">
+                            <p:stCondLst>
+                              <p:cond delay="0"/>
+                            </p:stCondLst>
+                            <p:childTnLst>
+                              <p:par>
+                                <p:cTn id="5" presetID="45" presetClass="entr" presetSubtype="0" fill="hold" nodeType="afterEffect">
+                                  <p:stCondLst>
+                                    <p:cond delay="0"/>
+                                  </p:stCondLst>
+                                  <p:childTnLst>
+                                    <p:set>
+                                      <p:cBhvr>
+                                        <p:cTn id="6" dur="1" fill="hold">
+                                          <p:stCondLst>
+                                            <p:cond delay="0"/>
+                                          </p:stCondLst>
+                                        </p:cTn>
+                                        <p:tgtEl>
+                                          <p:spTgt spid="1026"/>
+                                        </p:tgtEl>
+                                        <p:attrNameLst>
+                                          <p:attrName>style.visibility</p:attrName>
+                                        </p:attrNameLst>
+                                      </p:cBhvr>
+                                      <p:to>
+                                        <p:strVal val="visible"/>
+                                      </p:to>
+                                    </p:set>
+                                    <p:animEffect transition="in" filter="fade">
+                                      <p:cBhvr>
+                                        <p:cTn id="7" dur="2000"/>
+                                        <p:tgtEl>
+                                          <p:spTgt spid="1026"/>
+                                        </p:tgtEl>
+                                      </p:cBhvr>
+                                    </p:animEffect>
+                                    <p:anim calcmode="lin" valueType="num">
+                                      <p:cBhvr>
+                                        <p:cTn id="8" dur="2000" fill="hold"/>
+                                        <p:tgtEl>
+                                          <p:spTgt spid="1026"/>
+                                        </p:tgtEl>
+                                        <p:attrNameLst>
+                                          <p:attrName>ppt_w</p:attrName>
+                                        </p:attrNameLst>
+                                      </p:cBhvr>
+                                      <p:tavLst>
+                                        <p:tav tm="0" fmla="#ppt_w*sin(2.5*pi*$)">
+                                          <p:val>
+                                            <p:fltVal val="0"/>
+                                          </p:val>
+                                        </p:tav>
+                                        <p:tav tm="100000">
+                                          <p:val>
+                                            <p:fltVal val="1"/>
+                                          </p:val>
+                                        </p:tav>
+                                      </p:tavLst>
+                                    </p:anim>
+                                    <p:anim calcmode="lin" valueType="num">
+                                      <p:cBhvr>
+                                        <p:cTn id="9" dur="2000" fill="hold"/>
+                                        <p:tgtEl>
+                                          <p:spTgt spid="1026"/>
+                                        </p:tgtEl>
+                                        <p:attrNameLst>
+                                          <p:attrName>ppt_h</p:attrName>
+                                        </p:attrNameLst>
+                                      </p:cBhvr>
+                                      <p:tavLst>
+                                        <p:tav tm="0">
+                                          <p:val>
+                                            <p:strVal val="#ppt_h"/>
+                                          </p:val>
+                                        </p:tav>
+                                        <p:tav tm="100000">
+                                          <p:val>
+                                            <p:strVal val="#ppt_h"/>
+                                          </p:val>
+                                        </p:tav>
+                                      </p:tavLst>
+                                    </p:anim>
+                                  </p:childTnLst>
+                                </p:cTn>
+                              </p:par>
+                            </p:childTnLst>
+                          </p:cTn>
+                        </p:par>
+                      </p:childTnLst>
+                    </p:cTn>
+                  </p:par>
+                </p:childTnLst>
+              </p:cTn>
+              <p:prevCondLst>
+                <p:cond evt="onPrev" delay="0">
+                  <p:tgtEl>
+                    <p:sldTgt/>
+                  </p:tgtEl>
+                </p:cond>
+              </p:prevCondLst>
+              <p:nextCondLst>
+                <p:cond evt="onNext" delay="0">
+                  <p:tgtEl>
+                    <p:sldTgt/>
+                  </p:tgtEl>
+                </p:cond>
+              </p:nextCondLst>
+            </p:seq>
+          </p:childTnLst>
+        </p:cTn>
+      </p:par>
+    </p:tnLst>
+  </p:timing>
 </p:sld>
 </file>
 
@@ -7159,14 +7840,38 @@
           <a:lstStyle/>
           <a:p>
             <a:r>
-              <a:rPr lang="en-US" dirty="0"/>
+              <a:rPr lang="en-US" dirty="0">
+                <a:solidFill>
+                  <a:schemeClr val="accent1">
+                    <a:lumMod val="60000"/>
+                    <a:lumOff val="40000"/>
+                  </a:schemeClr>
+                </a:solidFill>
+                <a:latin typeface="Comic Sans MS" panose="030F0702030302020204" pitchFamily="66" charset="0"/>
+              </a:rPr>
               <a:t>Het </a:t>
             </a:r>
             <a:r>
-              <a:rPr lang="en-US" dirty="0" err="1"/>
+              <a:rPr lang="en-US" dirty="0" err="1">
+                <a:solidFill>
+                  <a:schemeClr val="accent1">
+                    <a:lumMod val="60000"/>
+                    <a:lumOff val="40000"/>
+                  </a:schemeClr>
+                </a:solidFill>
+                <a:latin typeface="Comic Sans MS" panose="030F0702030302020204" pitchFamily="66" charset="0"/>
+              </a:rPr>
               <a:t>resultaat</a:t>
             </a:r>
-            <a:endParaRPr lang="nl-NL" dirty="0"/>
+            <a:endParaRPr lang="nl-NL" dirty="0">
+              <a:solidFill>
+                <a:schemeClr val="accent1">
+                  <a:lumMod val="60000"/>
+                  <a:lumOff val="40000"/>
+                </a:schemeClr>
+              </a:solidFill>
+              <a:latin typeface="Comic Sans MS" panose="030F0702030302020204" pitchFamily="66" charset="0"/>
+            </a:endParaRPr>
           </a:p>
         </p:txBody>
       </p:sp>
@@ -7192,49 +7897,108 @@
           <a:lstStyle/>
           <a:p>
             <a:r>
-              <a:rPr lang="en-US" dirty="0"/>
+              <a:rPr lang="en-US" dirty="0">
+                <a:latin typeface="Comic Sans MS" panose="030F0702030302020204" pitchFamily="66" charset="0"/>
+              </a:rPr>
               <a:t>Search </a:t>
             </a:r>
             <a:r>
-              <a:rPr lang="en-US" dirty="0" err="1"/>
+              <a:rPr lang="en-US" dirty="0" err="1">
+                <a:latin typeface="Comic Sans MS" panose="030F0702030302020204" pitchFamily="66" charset="0"/>
+              </a:rPr>
               <a:t>woorden</a:t>
             </a:r>
             <a:r>
-              <a:rPr lang="en-US" dirty="0"/>
+              <a:rPr lang="en-US" dirty="0">
+                <a:latin typeface="Comic Sans MS" panose="030F0702030302020204" pitchFamily="66" charset="0"/>
+              </a:rPr>
               <a:t> die </a:t>
             </a:r>
             <a:r>
-              <a:rPr lang="en-US" dirty="0" err="1"/>
+              <a:rPr lang="en-US" dirty="0" err="1">
+                <a:latin typeface="Comic Sans MS" panose="030F0702030302020204" pitchFamily="66" charset="0"/>
+              </a:rPr>
               <a:t>vallen</a:t>
             </a:r>
-            <a:endParaRPr lang="en-US" dirty="0"/>
-          </a:p>
-          <a:p>
-            <a:r>
-              <a:rPr lang="en-US" dirty="0" err="1"/>
+            <a:endParaRPr lang="en-US" dirty="0">
+              <a:latin typeface="Comic Sans MS" panose="030F0702030302020204" pitchFamily="66" charset="0"/>
+            </a:endParaRPr>
+          </a:p>
+          <a:p>
+            <a:r>
+              <a:rPr lang="en-US" dirty="0" err="1">
+                <a:latin typeface="Comic Sans MS" panose="030F0702030302020204" pitchFamily="66" charset="0"/>
+              </a:rPr>
               <a:t>Punten</a:t>
             </a:r>
-            <a:endParaRPr lang="en-US" dirty="0"/>
-          </a:p>
-          <a:p>
-            <a:r>
-              <a:rPr lang="en-US" dirty="0"/>
+            <a:endParaRPr lang="en-US" dirty="0">
+              <a:latin typeface="Comic Sans MS" panose="030F0702030302020204" pitchFamily="66" charset="0"/>
+            </a:endParaRPr>
+          </a:p>
+          <a:p>
+            <a:r>
+              <a:rPr lang="en-US" dirty="0">
+                <a:latin typeface="Comic Sans MS" panose="030F0702030302020204" pitchFamily="66" charset="0"/>
+              </a:rPr>
               <a:t>Yellow page </a:t>
             </a:r>
             <a:r>
-              <a:rPr lang="en-US" dirty="0" err="1"/>
+              <a:rPr lang="en-US" dirty="0" err="1">
+                <a:latin typeface="Comic Sans MS" panose="030F0702030302020204" pitchFamily="66" charset="0"/>
+              </a:rPr>
               <a:t>boek</a:t>
             </a:r>
-            <a:endParaRPr lang="en-US" dirty="0"/>
-          </a:p>
-          <a:p>
-            <a:r>
-              <a:rPr lang="en-US" dirty="0"/>
+            <a:endParaRPr lang="en-US" dirty="0">
+              <a:latin typeface="Comic Sans MS" panose="030F0702030302020204" pitchFamily="66" charset="0"/>
+            </a:endParaRPr>
+          </a:p>
+          <a:p>
+            <a:r>
+              <a:rPr lang="en-US" dirty="0">
+                <a:latin typeface="Comic Sans MS" panose="030F0702030302020204" pitchFamily="66" charset="0"/>
+              </a:rPr>
               <a:t>Search results</a:t>
             </a:r>
           </a:p>
         </p:txBody>
       </p:sp>
+      <p:pic>
+        <p:nvPicPr>
+          <p:cNvPr id="4" name="Afbeelding 3">
+            <a:extLst>
+              <a:ext uri="{FF2B5EF4-FFF2-40B4-BE49-F238E27FC236}">
+                <a16:creationId xmlns:a16="http://schemas.microsoft.com/office/drawing/2014/main" id="{8907C368-17FC-4834-BE40-075B23C0F2FB}"/>
+              </a:ext>
+            </a:extLst>
+          </p:cNvPr>
+          <p:cNvPicPr>
+            <a:picLocks noChangeAspect="1"/>
+          </p:cNvPicPr>
+          <p:nvPr/>
+        </p:nvPicPr>
+        <p:blipFill>
+          <a:blip r:embed="rId2"/>
+          <a:stretch>
+            <a:fillRect/>
+          </a:stretch>
+        </p:blipFill>
+        <p:spPr>
+          <a:xfrm>
+            <a:off x="5749870" y="1518604"/>
+            <a:ext cx="2363616" cy="4507195"/>
+          </a:xfrm>
+          <a:prstGeom prst="rect">
+            <a:avLst/>
+          </a:prstGeom>
+          <a:effectLst>
+            <a:outerShdw blurRad="50800" dist="38100" dir="10800000" algn="r" rotWithShape="0">
+              <a:prstClr val="black">
+                <a:alpha val="40000"/>
+              </a:prstClr>
+            </a:outerShdw>
+          </a:effectLst>
+        </p:spPr>
+      </p:pic>
     </p:spTree>
     <p:extLst>
       <p:ext uri="{BB962C8B-B14F-4D97-AF65-F5344CB8AC3E}">
@@ -7245,6 +8009,150 @@
   <p:clrMapOvr>
     <a:masterClrMapping/>
   </p:clrMapOvr>
+  <mc:AlternateContent xmlns:mc="http://schemas.openxmlformats.org/markup-compatibility/2006">
+    <mc:Choice xmlns:p14="http://schemas.microsoft.com/office/powerpoint/2010/main" Requires="p14">
+      <p:transition spd="slow" p14:dur="1500">
+        <p:random/>
+      </p:transition>
+    </mc:Choice>
+    <mc:Fallback>
+      <p:transition spd="slow">
+        <p:random/>
+      </p:transition>
+    </mc:Fallback>
+  </mc:AlternateContent>
+  <p:timing>
+    <p:tnLst>
+      <p:par>
+        <p:cTn id="1" dur="indefinite" restart="never" nodeType="tmRoot">
+          <p:childTnLst>
+            <p:seq concurrent="1" nextAc="seek">
+              <p:cTn id="2" dur="indefinite" nodeType="mainSeq">
+                <p:childTnLst>
+                  <p:par>
+                    <p:cTn id="3" fill="hold">
+                      <p:stCondLst>
+                        <p:cond delay="indefinite"/>
+                        <p:cond evt="onBegin" delay="0">
+                          <p:tn val="2"/>
+                        </p:cond>
+                      </p:stCondLst>
+                      <p:childTnLst>
+                        <p:par>
+                          <p:cTn id="4" fill="hold">
+                            <p:stCondLst>
+                              <p:cond delay="0"/>
+                            </p:stCondLst>
+                            <p:childTnLst>
+                              <p:par>
+                                <p:cTn id="5" presetID="53" presetClass="entr" presetSubtype="16" fill="hold" nodeType="afterEffect">
+                                  <p:stCondLst>
+                                    <p:cond delay="0"/>
+                                  </p:stCondLst>
+                                  <p:childTnLst>
+                                    <p:set>
+                                      <p:cBhvr>
+                                        <p:cTn id="6" dur="1" fill="hold">
+                                          <p:stCondLst>
+                                            <p:cond delay="0"/>
+                                          </p:stCondLst>
+                                        </p:cTn>
+                                        <p:tgtEl>
+                                          <p:spTgt spid="4"/>
+                                        </p:tgtEl>
+                                        <p:attrNameLst>
+                                          <p:attrName>style.visibility</p:attrName>
+                                        </p:attrNameLst>
+                                      </p:cBhvr>
+                                      <p:to>
+                                        <p:strVal val="visible"/>
+                                      </p:to>
+                                    </p:set>
+                                    <p:anim calcmode="lin" valueType="num">
+                                      <p:cBhvr>
+                                        <p:cTn id="7" dur="500" fill="hold"/>
+                                        <p:tgtEl>
+                                          <p:spTgt spid="4"/>
+                                        </p:tgtEl>
+                                        <p:attrNameLst>
+                                          <p:attrName>ppt_w</p:attrName>
+                                        </p:attrNameLst>
+                                      </p:cBhvr>
+                                      <p:tavLst>
+                                        <p:tav tm="0">
+                                          <p:val>
+                                            <p:fltVal val="0"/>
+                                          </p:val>
+                                        </p:tav>
+                                        <p:tav tm="100000">
+                                          <p:val>
+                                            <p:strVal val="#ppt_w"/>
+                                          </p:val>
+                                        </p:tav>
+                                      </p:tavLst>
+                                    </p:anim>
+                                    <p:anim calcmode="lin" valueType="num">
+                                      <p:cBhvr>
+                                        <p:cTn id="8" dur="500" fill="hold"/>
+                                        <p:tgtEl>
+                                          <p:spTgt spid="4"/>
+                                        </p:tgtEl>
+                                        <p:attrNameLst>
+                                          <p:attrName>ppt_h</p:attrName>
+                                        </p:attrNameLst>
+                                      </p:cBhvr>
+                                      <p:tavLst>
+                                        <p:tav tm="0">
+                                          <p:val>
+                                            <p:fltVal val="0"/>
+                                          </p:val>
+                                        </p:tav>
+                                        <p:tav tm="100000">
+                                          <p:val>
+                                            <p:strVal val="#ppt_h"/>
+                                          </p:val>
+                                        </p:tav>
+                                      </p:tavLst>
+                                    </p:anim>
+                                    <p:animEffect transition="in" filter="fade">
+                                      <p:cBhvr>
+                                        <p:cTn id="9" dur="500"/>
+                                        <p:tgtEl>
+                                          <p:spTgt spid="4"/>
+                                        </p:tgtEl>
+                                      </p:cBhvr>
+                                    </p:animEffect>
+                                  </p:childTnLst>
+                                </p:cTn>
+                              </p:par>
+                            </p:childTnLst>
+                          </p:cTn>
+                        </p:par>
+                      </p:childTnLst>
+                    </p:cTn>
+                  </p:par>
+                </p:childTnLst>
+              </p:cTn>
+              <p:prevCondLst>
+                <p:cond evt="onPrev" delay="0">
+                  <p:tgtEl>
+                    <p:sldTgt/>
+                  </p:tgtEl>
+                </p:cond>
+              </p:prevCondLst>
+              <p:nextCondLst>
+                <p:cond evt="onNext" delay="0">
+                  <p:tgtEl>
+                    <p:sldTgt/>
+                  </p:tgtEl>
+                </p:cond>
+              </p:nextCondLst>
+            </p:seq>
+          </p:childTnLst>
+        </p:cTn>
+      </p:par>
+    </p:tnLst>
+  </p:timing>
 </p:sld>
 </file>
 
@@ -7287,19 +8195,92 @@
           <a:lstStyle/>
           <a:p>
             <a:r>
-              <a:rPr lang="en-US" dirty="0" err="1"/>
+              <a:rPr lang="en-US" dirty="0" err="1">
+                <a:solidFill>
+                  <a:schemeClr val="accent1">
+                    <a:lumMod val="60000"/>
+                    <a:lumOff val="40000"/>
+                  </a:schemeClr>
+                </a:solidFill>
+                <a:latin typeface="Comic Sans MS" panose="030F0702030302020204" pitchFamily="66" charset="0"/>
+              </a:rPr>
               <a:t>Vragen</a:t>
             </a:r>
-            <a:endParaRPr lang="nl-NL" dirty="0"/>
+            <a:r>
+              <a:rPr lang="en-US" dirty="0">
+                <a:solidFill>
+                  <a:schemeClr val="accent1">
+                    <a:lumMod val="60000"/>
+                    <a:lumOff val="40000"/>
+                  </a:schemeClr>
+                </a:solidFill>
+                <a:latin typeface="Comic Sans MS" panose="030F0702030302020204" pitchFamily="66" charset="0"/>
+              </a:rPr>
+              <a:t>?</a:t>
+            </a:r>
+            <a:endParaRPr lang="nl-NL" dirty="0">
+              <a:solidFill>
+                <a:schemeClr val="accent1">
+                  <a:lumMod val="60000"/>
+                  <a:lumOff val="40000"/>
+                </a:schemeClr>
+              </a:solidFill>
+              <a:latin typeface="Comic Sans MS" panose="030F0702030302020204" pitchFamily="66" charset="0"/>
+            </a:endParaRPr>
           </a:p>
         </p:txBody>
       </p:sp>
+      <p:pic>
+        <p:nvPicPr>
+          <p:cNvPr id="2050" name="Picture 2" descr="Afbeeldingsresultaat voor weird stock photo questions">
+            <a:extLst>
+              <a:ext uri="{FF2B5EF4-FFF2-40B4-BE49-F238E27FC236}">
+                <a16:creationId xmlns:a16="http://schemas.microsoft.com/office/drawing/2014/main" id="{B6EE491F-5161-41C2-81A5-9E33FB53EA8F}"/>
+              </a:ext>
+            </a:extLst>
+          </p:cNvPr>
+          <p:cNvPicPr>
+            <a:picLocks noChangeAspect="1" noChangeArrowheads="1"/>
+          </p:cNvPicPr>
+          <p:nvPr/>
+        </p:nvPicPr>
+        <p:blipFill rotWithShape="1">
+          <a:blip r:embed="rId2">
+            <a:extLst>
+              <a:ext uri="{28A0092B-C50C-407E-A947-70E740481C1C}">
+                <a14:useLocalDpi xmlns:a14="http://schemas.microsoft.com/office/drawing/2010/main" val="0"/>
+              </a:ext>
+            </a:extLst>
+          </a:blip>
+          <a:srcRect b="9682"/>
+          <a:stretch/>
+        </p:blipFill>
+        <p:spPr bwMode="auto">
+          <a:xfrm>
+            <a:off x="3759200" y="1787393"/>
+            <a:ext cx="4876800" cy="3243262"/>
+          </a:xfrm>
+          <a:prstGeom prst="rect">
+            <a:avLst/>
+          </a:prstGeom>
+          <a:noFill/>
+          <a:extLst>
+            <a:ext uri="{909E8E84-426E-40DD-AFC4-6F175D3DCCD1}">
+              <a14:hiddenFill xmlns:a14="http://schemas.microsoft.com/office/drawing/2010/main">
+                <a:solidFill>
+                  <a:srgbClr val="FFFFFF"/>
+                </a:solidFill>
+              </a14:hiddenFill>
+            </a:ext>
+          </a:extLst>
+        </p:spPr>
+      </p:pic>
       <p:sp>
         <p:nvSpPr>
-          <p:cNvPr id="3" name="Tijdelijke aanduiding voor inhoud 2">
+          <p:cNvPr id="5" name="Tijdelijke aanduiding voor inhoud 4">
             <a:extLst>
               <a:ext uri="{FF2B5EF4-FFF2-40B4-BE49-F238E27FC236}">
-                <a16:creationId xmlns:a16="http://schemas.microsoft.com/office/drawing/2014/main" id="{B6272A8C-262A-41E6-963A-712A8BCF9C8E}"/>
+                <a16:creationId xmlns:a16="http://schemas.microsoft.com/office/drawing/2014/main" id="{BCBE24CE-F52A-4A34-A914-C7F2FC95883B}"/>
               </a:ext>
             </a:extLst>
           </p:cNvPr>
@@ -7315,11 +8296,7 @@
           <a:bodyPr/>
           <a:lstStyle/>
           <a:p>
-            <a:r>
-              <a:rPr lang="en-US" dirty="0"/>
-              <a:t>?</a:t>
-            </a:r>
-            <a:endParaRPr lang="nl-NL" dirty="0"/>
+            <a:endParaRPr lang="nl-NL"/>
           </a:p>
         </p:txBody>
       </p:sp>
@@ -7333,6 +8310,104 @@
   <p:clrMapOvr>
     <a:masterClrMapping/>
   </p:clrMapOvr>
+  <mc:AlternateContent xmlns:mc="http://schemas.openxmlformats.org/markup-compatibility/2006">
+    <mc:Choice xmlns:p14="http://schemas.microsoft.com/office/powerpoint/2010/main" Requires="p14">
+      <p:transition spd="slow" p14:dur="1500">
+        <p:random/>
+      </p:transition>
+    </mc:Choice>
+    <mc:Fallback>
+      <p:transition spd="slow">
+        <p:random/>
+      </p:transition>
+    </mc:Fallback>
+  </mc:AlternateContent>
+  <p:timing>
+    <p:tnLst>
+      <p:par>
+        <p:cTn id="1" dur="indefinite" restart="never" nodeType="tmRoot">
+          <p:childTnLst>
+            <p:seq concurrent="1" nextAc="seek">
+              <p:cTn id="2" dur="indefinite" nodeType="mainSeq">
+                <p:childTnLst>
+                  <p:par>
+                    <p:cTn id="3" fill="hold">
+                      <p:stCondLst>
+                        <p:cond delay="indefinite"/>
+                        <p:cond evt="onBegin" delay="0">
+                          <p:tn val="2"/>
+                        </p:cond>
+                      </p:stCondLst>
+                      <p:childTnLst>
+                        <p:par>
+                          <p:cTn id="4" fill="hold">
+                            <p:stCondLst>
+                              <p:cond delay="0"/>
+                            </p:stCondLst>
+                            <p:childTnLst>
+                              <p:par>
+                                <p:cTn id="5" presetID="10" presetClass="entr" presetSubtype="0" fill="hold" nodeType="afterEffect">
+                                  <p:stCondLst>
+                                    <p:cond delay="0"/>
+                                  </p:stCondLst>
+                                  <p:childTnLst>
+                                    <p:set>
+                                      <p:cBhvr>
+                                        <p:cTn id="6" dur="1" fill="hold">
+                                          <p:stCondLst>
+                                            <p:cond delay="0"/>
+                                          </p:stCondLst>
+                                        </p:cTn>
+                                        <p:tgtEl>
+                                          <p:spTgt spid="2050"/>
+                                        </p:tgtEl>
+                                        <p:attrNameLst>
+                                          <p:attrName>style.visibility</p:attrName>
+                                        </p:attrNameLst>
+                                      </p:cBhvr>
+                                      <p:to>
+                                        <p:strVal val="visible"/>
+                                      </p:to>
+                                    </p:set>
+                                    <p:animEffect transition="in" filter="fade">
+                                      <p:cBhvr>
+                                        <p:cTn id="7" dur="500"/>
+                                        <p:tgtEl>
+                                          <p:spTgt spid="2050"/>
+                                        </p:tgtEl>
+                                      </p:cBhvr>
+                                    </p:animEffect>
+                                  </p:childTnLst>
+                                </p:cTn>
+                              </p:par>
+                            </p:childTnLst>
+                          </p:cTn>
+                        </p:par>
+                      </p:childTnLst>
+                    </p:cTn>
+                  </p:par>
+                </p:childTnLst>
+              </p:cTn>
+              <p:prevCondLst>
+                <p:cond evt="onPrev" delay="0">
+                  <p:tgtEl>
+                    <p:sldTgt/>
+                  </p:tgtEl>
+                </p:cond>
+              </p:prevCondLst>
+              <p:nextCondLst>
+                <p:cond evt="onNext" delay="0">
+                  <p:tgtEl>
+                    <p:sldTgt/>
+                  </p:tgtEl>
+                </p:cond>
+              </p:nextCondLst>
+            </p:seq>
+          </p:childTnLst>
+        </p:cTn>
+      </p:par>
+    </p:tnLst>
+  </p:timing>
 </p:sld>
 </file>
 
